--- a/lessons/lesson-9/09-intro-to-logistic-regression.pptx
+++ b/lessons/lesson-9/09-intro-to-logistic-regression.pptx
@@ -23893,6 +23893,13 @@
   <p:clrMapOvr>
     <a:masterClrMapping/>
   </p:clrMapOvr>
+  <p:timing>
+    <p:tnLst>
+      <p:par>
+        <p:cTn id="1" dur="indefinite" restart="never" nodeType="tmRoot"/>
+      </p:par>
+    </p:tnLst>
+  </p:timing>
 </p:sld>
 </file>
 
@@ -25444,6 +25451,13 @@
   <p:clrMapOvr>
     <a:masterClrMapping/>
   </p:clrMapOvr>
+  <p:timing>
+    <p:tnLst>
+      <p:par>
+        <p:cTn id="1" dur="indefinite" restart="never" nodeType="tmRoot"/>
+      </p:par>
+    </p:tnLst>
+  </p:timing>
 </p:sld>
 </file>
 
@@ -27173,64 +27187,6 @@
             </a:endParaRPr>
           </a:p>
           <a:p>
-            <a:pPr marL="863600" lvl="1" indent="-256540">
-              <a:buClr>
-                <a:schemeClr val="dk1"/>
-              </a:buClr>
-              <a:buSzPct val="100000"/>
-              <a:buFont typeface="Georgia"/>
-              <a:buChar char="‣"/>
-            </a:pPr>
-            <a:r>
-              <a:rPr lang="en-US" sz="2400" dirty="0" smtClean="0">
-                <a:solidFill>
-                  <a:schemeClr val="dk1"/>
-                </a:solidFill>
-                <a:latin typeface="Arial" charset="0"/>
-                <a:ea typeface="Arial" charset="0"/>
-                <a:cs typeface="Arial" charset="0"/>
-                <a:sym typeface="Georgia"/>
-              </a:rPr>
-              <a:t>(</a:t>
-            </a:r>
-            <a:r>
-              <a:rPr lang="en-US" sz="2400" dirty="0">
-                <a:solidFill>
-                  <a:schemeClr val="dk1"/>
-                </a:solidFill>
-                <a:latin typeface="Arial" charset="0"/>
-                <a:ea typeface="Arial" charset="0"/>
-                <a:cs typeface="Arial" charset="0"/>
-                <a:sym typeface="Georgia"/>
-              </a:rPr>
-              <a:t>or odds of </a:t>
-            </a:r>
-            <a:r>
-              <a:rPr lang="en-US" sz="2400" dirty="0" smtClean="0">
-                <a:solidFill>
-                  <a:schemeClr val="dk1"/>
-                </a:solidFill>
-                <a:latin typeface="Arial" charset="0"/>
-                <a:ea typeface="Arial" charset="0"/>
-                <a:cs typeface="Arial" charset="0"/>
-                <a:sym typeface="Georgia"/>
-              </a:rPr>
-              <a:t>~1.2:1</a:t>
-            </a:r>
-            <a:r>
-              <a:rPr lang="en-US" sz="2400" dirty="0">
-                <a:solidFill>
-                  <a:schemeClr val="dk1"/>
-                </a:solidFill>
-                <a:latin typeface="Arial" charset="0"/>
-                <a:ea typeface="Arial" charset="0"/>
-                <a:cs typeface="Arial" charset="0"/>
-                <a:sym typeface="Georgia"/>
-              </a:rPr>
-              <a:t>):</a:t>
-            </a:r>
-          </a:p>
-          <a:p>
             <a:pPr lvl="0" rtl="0">
               <a:spcBef>
                 <a:spcPts val="0"/>
@@ -27255,6 +27211,18 @@
               <a:buNone/>
             </a:pPr>
             <a:r>
+              <a:rPr lang="en-US" sz="2400" dirty="0" smtClean="0">
+                <a:solidFill>
+                  <a:schemeClr val="dk1"/>
+                </a:solidFill>
+                <a:latin typeface="Arial" charset="0"/>
+                <a:ea typeface="Arial" charset="0"/>
+                <a:cs typeface="Arial" charset="0"/>
+                <a:sym typeface="Georgia"/>
+              </a:rPr>
+              <a:t>0.2 </a:t>
+            </a:r>
+            <a:r>
               <a:rPr lang="en-US" sz="2400" dirty="0">
                 <a:solidFill>
                   <a:schemeClr val="dk1"/>
@@ -27264,7 +27232,7 @@
                 <a:cs typeface="Arial" charset="0"/>
                 <a:sym typeface="Georgia"/>
               </a:rPr>
-              <a:t>0.2 = ln(p / (1-p) )</a:t>
+              <a:t>= ln(p / (1-p) )</a:t>
             </a:r>
           </a:p>
           <a:p>
@@ -27358,6 +27326,38 @@
               <a:t>-0.2</a:t>
             </a:r>
             <a:r>
+              <a:rPr lang="en-US" sz="2400" dirty="0" smtClean="0">
+                <a:solidFill>
+                  <a:schemeClr val="dk1"/>
+                </a:solidFill>
+                <a:latin typeface="Arial" charset="0"/>
+                <a:ea typeface="Arial" charset="0"/>
+                <a:cs typeface="Arial" charset="0"/>
+                <a:sym typeface="Georgia"/>
+              </a:rPr>
+              <a:t>)</a:t>
+            </a:r>
+          </a:p>
+          <a:p>
+            <a:pPr lvl="0" algn="ctr" rtl="0">
+              <a:spcBef>
+                <a:spcPts val="0"/>
+              </a:spcBef>
+              <a:buNone/>
+            </a:pPr>
+            <a:endParaRPr lang="en-US" sz="2400" dirty="0">
+              <a:solidFill>
+                <a:schemeClr val="dk1"/>
+              </a:solidFill>
+              <a:latin typeface="Arial" charset="0"/>
+              <a:ea typeface="Arial" charset="0"/>
+              <a:cs typeface="Arial" charset="0"/>
+              <a:sym typeface="Georgia"/>
+            </a:endParaRPr>
+          </a:p>
+          <a:p>
+            <a:pPr algn="ctr"/>
+            <a:r>
               <a:rPr lang="en-US" sz="2400" dirty="0">
                 <a:solidFill>
                   <a:schemeClr val="dk1"/>
@@ -27367,8 +27367,97 @@
                 <a:cs typeface="Arial" charset="0"/>
                 <a:sym typeface="Georgia"/>
               </a:rPr>
+              <a:t>e</a:t>
+            </a:r>
+            <a:r>
+              <a:rPr lang="en-US" sz="2400" baseline="30000" dirty="0">
+                <a:solidFill>
+                  <a:schemeClr val="dk1"/>
+                </a:solidFill>
+                <a:latin typeface="Arial" charset="0"/>
+                <a:ea typeface="Arial" charset="0"/>
+                <a:cs typeface="Arial" charset="0"/>
+                <a:sym typeface="Georgia"/>
+              </a:rPr>
+              <a:t>0.2</a:t>
+            </a:r>
+            <a:r>
+              <a:rPr lang="en-US" sz="2400" dirty="0" smtClean="0">
+                <a:solidFill>
+                  <a:schemeClr val="dk1"/>
+                </a:solidFill>
+                <a:latin typeface="Arial" charset="0"/>
+                <a:ea typeface="Arial" charset="0"/>
+                <a:cs typeface="Arial" charset="0"/>
+                <a:sym typeface="Georgia"/>
+              </a:rPr>
+              <a:t> </a:t>
+            </a:r>
+            <a:r>
+              <a:rPr lang="en-US" sz="2400" dirty="0">
+                <a:solidFill>
+                  <a:schemeClr val="dk1"/>
+                </a:solidFill>
+                <a:latin typeface="Arial" charset="0"/>
+                <a:ea typeface="Arial" charset="0"/>
+                <a:cs typeface="Arial" charset="0"/>
+                <a:sym typeface="Georgia"/>
+              </a:rPr>
+              <a:t>/ (1 + </a:t>
+            </a:r>
+            <a:r>
+              <a:rPr lang="en-US" sz="2400" dirty="0" smtClean="0">
+                <a:solidFill>
+                  <a:schemeClr val="dk1"/>
+                </a:solidFill>
+                <a:latin typeface="Arial" charset="0"/>
+                <a:ea typeface="Arial" charset="0"/>
+                <a:cs typeface="Arial" charset="0"/>
+                <a:sym typeface="Georgia"/>
+              </a:rPr>
+              <a:t>e</a:t>
+            </a:r>
+            <a:r>
+              <a:rPr lang="en-US" sz="2400" baseline="30000" dirty="0" smtClean="0">
+                <a:solidFill>
+                  <a:schemeClr val="dk1"/>
+                </a:solidFill>
+                <a:latin typeface="Arial" charset="0"/>
+                <a:ea typeface="Arial" charset="0"/>
+                <a:cs typeface="Arial" charset="0"/>
+                <a:sym typeface="Georgia"/>
+              </a:rPr>
+              <a:t>0.2</a:t>
+            </a:r>
+            <a:r>
+              <a:rPr lang="en-US" sz="2400" dirty="0">
+                <a:solidFill>
+                  <a:schemeClr val="dk1"/>
+                </a:solidFill>
+                <a:latin typeface="Arial" charset="0"/>
+                <a:ea typeface="Arial" charset="0"/>
+                <a:cs typeface="Arial" charset="0"/>
+                <a:sym typeface="Georgia"/>
+              </a:rPr>
               <a:t>)</a:t>
             </a:r>
+          </a:p>
+          <a:p>
+            <a:pPr lvl="0" algn="ctr" rtl="0">
+              <a:spcBef>
+                <a:spcPts val="0"/>
+              </a:spcBef>
+              <a:buNone/>
+            </a:pPr>
+            <a:endParaRPr lang="en-US" sz="2400" dirty="0">
+              <a:solidFill>
+                <a:schemeClr val="dk1"/>
+              </a:solidFill>
+              <a:latin typeface="Arial" charset="0"/>
+              <a:ea typeface="Arial" charset="0"/>
+              <a:cs typeface="Arial" charset="0"/>
+              <a:sym typeface="Georgia"/>
+            </a:endParaRPr>
           </a:p>
           <a:p>
             <a:pPr lvl="0" rtl="0">
@@ -28853,6 +28942,13 @@
   <p:clrMapOvr>
     <a:masterClrMapping/>
   </p:clrMapOvr>
+  <p:timing>
+    <p:tnLst>
+      <p:par>
+        <p:cTn id="1" dur="indefinite" restart="never" nodeType="tmRoot"/>
+      </p:par>
+    </p:tnLst>
+  </p:timing>
 </p:sld>
 </file>
 
@@ -29810,6 +29906,13 @@
   <p:clrMapOvr>
     <a:masterClrMapping/>
   </p:clrMapOvr>
+  <p:timing>
+    <p:tnLst>
+      <p:par>
+        <p:cTn id="1" dur="indefinite" restart="never" nodeType="tmRoot"/>
+      </p:par>
+    </p:tnLst>
+  </p:timing>
 </p:sld>
 </file>
 
@@ -30375,6 +30478,13 @@
   <p:clrMapOvr>
     <a:masterClrMapping/>
   </p:clrMapOvr>
+  <p:timing>
+    <p:tnLst>
+      <p:par>
+        <p:cTn id="1" dur="indefinite" restart="never" nodeType="tmRoot"/>
+      </p:par>
+    </p:tnLst>
+  </p:timing>
 </p:sld>
 </file>
 
@@ -30514,6 +30624,13 @@
   <p:clrMapOvr>
     <a:masterClrMapping/>
   </p:clrMapOvr>
+  <p:timing>
+    <p:tnLst>
+      <p:par>
+        <p:cTn id="1" dur="indefinite" restart="never" nodeType="tmRoot"/>
+      </p:par>
+    </p:tnLst>
+  </p:timing>
 </p:sld>
 </file>
 
@@ -30693,7 +30810,7 @@
         <p:spPr>
           <a:xfrm>
             <a:off x="635006" y="1292775"/>
-            <a:ext cx="11734800" cy="3809999"/>
+            <a:ext cx="11734800" cy="4643330"/>
           </a:xfrm>
           <a:prstGeom prst="rect">
             <a:avLst/>
@@ -43517,6 +43634,13 @@
   <p:clrMapOvr>
     <a:masterClrMapping/>
   </p:clrMapOvr>
+  <p:timing>
+    <p:tnLst>
+      <p:par>
+        <p:cTn id="1" dur="indefinite" restart="never" nodeType="tmRoot"/>
+      </p:par>
+    </p:tnLst>
+  </p:timing>
 </p:sld>
 </file>
 
@@ -43589,7 +43713,7 @@
           <a:lstStyle/>
           <a:p>
             <a:r>
-              <a:rPr lang="en-US" sz="3200">
+              <a:rPr lang="en-US" sz="3200" dirty="0">
                 <a:latin typeface="Arial" charset="0"/>
                 <a:ea typeface="Arial" charset="0"/>
                 <a:cs typeface="Arial" charset="0"/>
@@ -43597,7 +43721,7 @@
               <a:t>We </a:t>
             </a:r>
             <a:r>
-              <a:rPr lang="en-US" sz="3200" smtClean="0">
+              <a:rPr lang="en-US" sz="3200" dirty="0" smtClean="0">
                 <a:latin typeface="Arial" charset="0"/>
                 <a:ea typeface="Arial" charset="0"/>
                 <a:cs typeface="Arial" charset="0"/>
